--- a/study/courses/iis/IIS_lec_9.pptx
+++ b/study/courses/iis/IIS_lec_9.pptx
@@ -119,7 +119,7 @@
   </p:defaultTextStyle>
   <p:extLst>
     <p:ext uri="{EFAFB233-063F-42B5-8137-9DF3F51BA10A}">
-      <p15:sldGuideLst xmlns:p15="http://schemas.microsoft.com/office/powerpoint/2012/main" xmlns="">
+      <p15:sldGuideLst xmlns="" xmlns:p15="http://schemas.microsoft.com/office/powerpoint/2012/main">
         <p15:guide id="1" orient="horz" pos="2160">
           <p15:clr>
             <a:srgbClr val="A4A3A4"/>
@@ -218,7 +218,7 @@
           <a:p>
             <a:fld id="{62782DC0-A7C2-4D6B-A659-1A08DD2913BE}" type="datetimeFigureOut">
               <a:rPr lang="ru-RU" smtClean="0"/>
-              <a:t>30.11.2017</a:t>
+              <a:t>15.11.2018</a:t>
             </a:fld>
             <a:endParaRPr lang="ru-RU"/>
           </a:p>
@@ -667,7 +667,7 @@
           <a:p>
             <a:fld id="{45A22731-384D-4614-90F0-A7C4445C0286}" type="datetime1">
               <a:rPr lang="ru-RU" smtClean="0"/>
-              <a:t>30.11.2017</a:t>
+              <a:t>15.11.2018</a:t>
             </a:fld>
             <a:endParaRPr lang="ru-RU"/>
           </a:p>
@@ -689,10 +689,22 @@
           <a:lstStyle/>
           <a:p>
             <a:r>
-              <a:rPr lang="ru-RU" smtClean="0"/>
-              <a:t>НИУ "МЭИ", Каф. УиИ, 2017</a:t>
-            </a:r>
-            <a:endParaRPr lang="ru-RU"/>
+              <a:rPr lang="ru-RU" dirty="0" smtClean="0"/>
+              <a:t>НИУ "МЭИ", Каф. </a:t>
+            </a:r>
+            <a:r>
+              <a:rPr lang="ru-RU" dirty="0" err="1" smtClean="0"/>
+              <a:t>УиИ</a:t>
+            </a:r>
+            <a:r>
+              <a:rPr lang="ru-RU" dirty="0" smtClean="0"/>
+              <a:t>, </a:t>
+            </a:r>
+            <a:r>
+              <a:rPr lang="ru-RU" dirty="0" smtClean="0"/>
+              <a:t>2018</a:t>
+            </a:r>
+            <a:endParaRPr lang="ru-RU" dirty="0"/>
           </a:p>
         </p:txBody>
       </p:sp>
@@ -841,7 +853,7 @@
           <a:p>
             <a:fld id="{BC521BCA-673D-4BB5-AF18-6D8B9EB75D71}" type="datetime1">
               <a:rPr lang="ru-RU" smtClean="0"/>
-              <a:t>30.11.2017</a:t>
+              <a:t>15.11.2018</a:t>
             </a:fld>
             <a:endParaRPr lang="ru-RU"/>
           </a:p>
@@ -863,10 +875,22 @@
           <a:lstStyle/>
           <a:p>
             <a:r>
-              <a:rPr lang="ru-RU" smtClean="0"/>
-              <a:t>НИУ "МЭИ", Каф. УиИ, 2017</a:t>
-            </a:r>
-            <a:endParaRPr lang="ru-RU"/>
+              <a:rPr lang="ru-RU" dirty="0" smtClean="0"/>
+              <a:t>НИУ "МЭИ", Каф. </a:t>
+            </a:r>
+            <a:r>
+              <a:rPr lang="ru-RU" dirty="0" err="1" smtClean="0"/>
+              <a:t>УиИ</a:t>
+            </a:r>
+            <a:r>
+              <a:rPr lang="ru-RU" dirty="0" smtClean="0"/>
+              <a:t>, </a:t>
+            </a:r>
+            <a:r>
+              <a:rPr lang="ru-RU" dirty="0" smtClean="0"/>
+              <a:t>2018</a:t>
+            </a:r>
+            <a:endParaRPr lang="ru-RU" dirty="0"/>
           </a:p>
         </p:txBody>
       </p:sp>
@@ -1025,7 +1049,7 @@
           <a:p>
             <a:fld id="{BBB21246-C48C-4877-B0C0-BF141933AE02}" type="datetime1">
               <a:rPr lang="ru-RU" smtClean="0"/>
-              <a:t>30.11.2017</a:t>
+              <a:t>15.11.2018</a:t>
             </a:fld>
             <a:endParaRPr lang="ru-RU"/>
           </a:p>
@@ -1047,10 +1071,22 @@
           <a:lstStyle/>
           <a:p>
             <a:r>
-              <a:rPr lang="ru-RU" smtClean="0"/>
-              <a:t>НИУ "МЭИ", Каф. УиИ, 2017</a:t>
-            </a:r>
-            <a:endParaRPr lang="ru-RU"/>
+              <a:rPr lang="ru-RU" dirty="0" smtClean="0"/>
+              <a:t>НИУ "МЭИ", Каф. </a:t>
+            </a:r>
+            <a:r>
+              <a:rPr lang="ru-RU" dirty="0" err="1" smtClean="0"/>
+              <a:t>УиИ</a:t>
+            </a:r>
+            <a:r>
+              <a:rPr lang="ru-RU" dirty="0" smtClean="0"/>
+              <a:t>, </a:t>
+            </a:r>
+            <a:r>
+              <a:rPr lang="ru-RU" dirty="0" smtClean="0"/>
+              <a:t>2018</a:t>
+            </a:r>
+            <a:endParaRPr lang="ru-RU" dirty="0"/>
           </a:p>
         </p:txBody>
       </p:sp>
@@ -1199,7 +1235,7 @@
           <a:p>
             <a:fld id="{DB623000-0F97-42E0-89EC-0A41D7954ACD}" type="datetime1">
               <a:rPr lang="ru-RU" smtClean="0"/>
-              <a:t>30.11.2017</a:t>
+              <a:t>15.11.2018</a:t>
             </a:fld>
             <a:endParaRPr lang="ru-RU"/>
           </a:p>
@@ -1221,10 +1257,22 @@
           <a:lstStyle/>
           <a:p>
             <a:r>
-              <a:rPr lang="ru-RU" smtClean="0"/>
-              <a:t>НИУ "МЭИ", Каф. УиИ, 2017</a:t>
-            </a:r>
-            <a:endParaRPr lang="ru-RU"/>
+              <a:rPr lang="ru-RU" dirty="0" smtClean="0"/>
+              <a:t>НИУ "МЭИ", Каф. </a:t>
+            </a:r>
+            <a:r>
+              <a:rPr lang="ru-RU" dirty="0" err="1" smtClean="0"/>
+              <a:t>УиИ</a:t>
+            </a:r>
+            <a:r>
+              <a:rPr lang="ru-RU" dirty="0" smtClean="0"/>
+              <a:t>, </a:t>
+            </a:r>
+            <a:r>
+              <a:rPr lang="ru-RU" dirty="0" smtClean="0"/>
+              <a:t>2018</a:t>
+            </a:r>
+            <a:endParaRPr lang="ru-RU" dirty="0"/>
           </a:p>
         </p:txBody>
       </p:sp>
@@ -1449,7 +1497,7 @@
           <a:p>
             <a:fld id="{3AF3FC51-B26A-439A-BFA1-B9817BBA6F2A}" type="datetime1">
               <a:rPr lang="ru-RU" smtClean="0"/>
-              <a:t>30.11.2017</a:t>
+              <a:t>15.11.2018</a:t>
             </a:fld>
             <a:endParaRPr lang="ru-RU"/>
           </a:p>
@@ -1471,10 +1519,22 @@
           <a:lstStyle/>
           <a:p>
             <a:r>
-              <a:rPr lang="ru-RU" smtClean="0"/>
-              <a:t>НИУ "МЭИ", Каф. УиИ, 2017</a:t>
-            </a:r>
-            <a:endParaRPr lang="ru-RU"/>
+              <a:rPr lang="ru-RU" dirty="0" smtClean="0"/>
+              <a:t>НИУ "МЭИ", Каф. </a:t>
+            </a:r>
+            <a:r>
+              <a:rPr lang="ru-RU" dirty="0" err="1" smtClean="0"/>
+              <a:t>УиИ</a:t>
+            </a:r>
+            <a:r>
+              <a:rPr lang="ru-RU" dirty="0" smtClean="0"/>
+              <a:t>, </a:t>
+            </a:r>
+            <a:r>
+              <a:rPr lang="ru-RU" dirty="0" smtClean="0"/>
+              <a:t>2018</a:t>
+            </a:r>
+            <a:endParaRPr lang="ru-RU" dirty="0"/>
           </a:p>
         </p:txBody>
       </p:sp>
@@ -1741,7 +1801,7 @@
           <a:p>
             <a:fld id="{41E2DA4E-16D4-4250-B79E-2A00049319CE}" type="datetime1">
               <a:rPr lang="ru-RU" smtClean="0"/>
-              <a:t>30.11.2017</a:t>
+              <a:t>15.11.2018</a:t>
             </a:fld>
             <a:endParaRPr lang="ru-RU"/>
           </a:p>
@@ -1763,10 +1823,22 @@
           <a:lstStyle/>
           <a:p>
             <a:r>
-              <a:rPr lang="ru-RU" smtClean="0"/>
-              <a:t>НИУ "МЭИ", Каф. УиИ, 2017</a:t>
-            </a:r>
-            <a:endParaRPr lang="ru-RU"/>
+              <a:rPr lang="ru-RU" dirty="0" smtClean="0"/>
+              <a:t>НИУ "МЭИ", Каф. </a:t>
+            </a:r>
+            <a:r>
+              <a:rPr lang="ru-RU" dirty="0" err="1" smtClean="0"/>
+              <a:t>УиИ</a:t>
+            </a:r>
+            <a:r>
+              <a:rPr lang="ru-RU" dirty="0" smtClean="0"/>
+              <a:t>, </a:t>
+            </a:r>
+            <a:r>
+              <a:rPr lang="ru-RU" dirty="0" smtClean="0"/>
+              <a:t>2018</a:t>
+            </a:r>
+            <a:endParaRPr lang="ru-RU" dirty="0"/>
           </a:p>
         </p:txBody>
       </p:sp>
@@ -2172,7 +2244,7 @@
           <a:p>
             <a:fld id="{F240F3B5-4146-468F-9A81-441332E78F98}" type="datetime1">
               <a:rPr lang="ru-RU" smtClean="0"/>
-              <a:t>30.11.2017</a:t>
+              <a:t>15.11.2018</a:t>
             </a:fld>
             <a:endParaRPr lang="ru-RU"/>
           </a:p>
@@ -2194,10 +2266,22 @@
           <a:lstStyle/>
           <a:p>
             <a:r>
-              <a:rPr lang="ru-RU" smtClean="0"/>
-              <a:t>НИУ "МЭИ", Каф. УиИ, 2017</a:t>
-            </a:r>
-            <a:endParaRPr lang="ru-RU"/>
+              <a:rPr lang="ru-RU" dirty="0" smtClean="0"/>
+              <a:t>НИУ "МЭИ", Каф. </a:t>
+            </a:r>
+            <a:r>
+              <a:rPr lang="ru-RU" dirty="0" err="1" smtClean="0"/>
+              <a:t>УиИ</a:t>
+            </a:r>
+            <a:r>
+              <a:rPr lang="ru-RU" dirty="0" smtClean="0"/>
+              <a:t>, </a:t>
+            </a:r>
+            <a:r>
+              <a:rPr lang="ru-RU" dirty="0" smtClean="0"/>
+              <a:t>2018</a:t>
+            </a:r>
+            <a:endParaRPr lang="ru-RU" dirty="0"/>
           </a:p>
         </p:txBody>
       </p:sp>
@@ -2294,7 +2378,7 @@
           <a:p>
             <a:fld id="{642765C3-C02B-4865-965E-45D54BB6B06C}" type="datetime1">
               <a:rPr lang="ru-RU" smtClean="0"/>
-              <a:t>30.11.2017</a:t>
+              <a:t>15.11.2018</a:t>
             </a:fld>
             <a:endParaRPr lang="ru-RU"/>
           </a:p>
@@ -2316,10 +2400,22 @@
           <a:lstStyle/>
           <a:p>
             <a:r>
-              <a:rPr lang="ru-RU" smtClean="0"/>
-              <a:t>НИУ "МЭИ", Каф. УиИ, 2017</a:t>
-            </a:r>
-            <a:endParaRPr lang="ru-RU"/>
+              <a:rPr lang="ru-RU" dirty="0" smtClean="0"/>
+              <a:t>НИУ "МЭИ", Каф. </a:t>
+            </a:r>
+            <a:r>
+              <a:rPr lang="ru-RU" dirty="0" err="1" smtClean="0"/>
+              <a:t>УиИ</a:t>
+            </a:r>
+            <a:r>
+              <a:rPr lang="ru-RU" dirty="0" smtClean="0"/>
+              <a:t>, </a:t>
+            </a:r>
+            <a:r>
+              <a:rPr lang="ru-RU" dirty="0" smtClean="0"/>
+              <a:t>2018</a:t>
+            </a:r>
+            <a:endParaRPr lang="ru-RU" dirty="0"/>
           </a:p>
         </p:txBody>
       </p:sp>
@@ -2393,7 +2489,7 @@
           <a:p>
             <a:fld id="{FC5E4B80-DAEE-4568-AAA6-A6422A4A9045}" type="datetime1">
               <a:rPr lang="ru-RU" smtClean="0"/>
-              <a:t>30.11.2017</a:t>
+              <a:t>15.11.2018</a:t>
             </a:fld>
             <a:endParaRPr lang="ru-RU"/>
           </a:p>
@@ -2415,10 +2511,22 @@
           <a:lstStyle/>
           <a:p>
             <a:r>
-              <a:rPr lang="ru-RU" smtClean="0"/>
-              <a:t>НИУ "МЭИ", Каф. УиИ, 2017</a:t>
-            </a:r>
-            <a:endParaRPr lang="ru-RU"/>
+              <a:rPr lang="ru-RU" dirty="0" smtClean="0"/>
+              <a:t>НИУ "МЭИ", Каф. </a:t>
+            </a:r>
+            <a:r>
+              <a:rPr lang="ru-RU" dirty="0" err="1" smtClean="0"/>
+              <a:t>УиИ</a:t>
+            </a:r>
+            <a:r>
+              <a:rPr lang="ru-RU" dirty="0" smtClean="0"/>
+              <a:t>, </a:t>
+            </a:r>
+            <a:r>
+              <a:rPr lang="ru-RU" dirty="0" smtClean="0"/>
+              <a:t>2018</a:t>
+            </a:r>
+            <a:endParaRPr lang="ru-RU" dirty="0"/>
           </a:p>
         </p:txBody>
       </p:sp>
@@ -2674,7 +2782,7 @@
           <a:p>
             <a:fld id="{3E4F9634-1035-4E09-9E99-87FB4014131B}" type="datetime1">
               <a:rPr lang="ru-RU" smtClean="0"/>
-              <a:t>30.11.2017</a:t>
+              <a:t>15.11.2018</a:t>
             </a:fld>
             <a:endParaRPr lang="ru-RU"/>
           </a:p>
@@ -2696,10 +2804,22 @@
           <a:lstStyle/>
           <a:p>
             <a:r>
-              <a:rPr lang="ru-RU" smtClean="0"/>
-              <a:t>НИУ "МЭИ", Каф. УиИ, 2017</a:t>
-            </a:r>
-            <a:endParaRPr lang="ru-RU"/>
+              <a:rPr lang="ru-RU" dirty="0" smtClean="0"/>
+              <a:t>НИУ "МЭИ", Каф. </a:t>
+            </a:r>
+            <a:r>
+              <a:rPr lang="ru-RU" dirty="0" err="1" smtClean="0"/>
+              <a:t>УиИ</a:t>
+            </a:r>
+            <a:r>
+              <a:rPr lang="ru-RU" dirty="0" smtClean="0"/>
+              <a:t>, </a:t>
+            </a:r>
+            <a:r>
+              <a:rPr lang="ru-RU" dirty="0" smtClean="0"/>
+              <a:t>2018</a:t>
+            </a:r>
+            <a:endParaRPr lang="ru-RU" dirty="0"/>
           </a:p>
         </p:txBody>
       </p:sp>
@@ -2931,7 +3051,7 @@
           <a:p>
             <a:fld id="{204C4CAA-9854-4B43-862B-95AD237E742A}" type="datetime1">
               <a:rPr lang="ru-RU" smtClean="0"/>
-              <a:t>30.11.2017</a:t>
+              <a:t>15.11.2018</a:t>
             </a:fld>
             <a:endParaRPr lang="ru-RU"/>
           </a:p>
@@ -2953,10 +3073,22 @@
           <a:lstStyle/>
           <a:p>
             <a:r>
-              <a:rPr lang="ru-RU" smtClean="0"/>
-              <a:t>НИУ "МЭИ", Каф. УиИ, 2017</a:t>
-            </a:r>
-            <a:endParaRPr lang="ru-RU"/>
+              <a:rPr lang="ru-RU" dirty="0" smtClean="0"/>
+              <a:t>НИУ "МЭИ", Каф. </a:t>
+            </a:r>
+            <a:r>
+              <a:rPr lang="ru-RU" dirty="0" err="1" smtClean="0"/>
+              <a:t>УиИ</a:t>
+            </a:r>
+            <a:r>
+              <a:rPr lang="ru-RU" dirty="0" smtClean="0"/>
+              <a:t>, </a:t>
+            </a:r>
+            <a:r>
+              <a:rPr lang="ru-RU" dirty="0" smtClean="0"/>
+              <a:t>2018</a:t>
+            </a:r>
+            <a:endParaRPr lang="ru-RU" dirty="0"/>
           </a:p>
         </p:txBody>
       </p:sp>
@@ -3148,7 +3280,7 @@
           <a:p>
             <a:fld id="{9793EB70-923A-483B-822B-0E409CB5E742}" type="datetime1">
               <a:rPr lang="ru-RU" smtClean="0"/>
-              <a:t>30.11.2017</a:t>
+              <a:t>15.11.2018</a:t>
             </a:fld>
             <a:endParaRPr lang="ru-RU"/>
           </a:p>
@@ -3188,10 +3320,22 @@
           </a:lstStyle>
           <a:p>
             <a:r>
-              <a:rPr lang="ru-RU" smtClean="0"/>
-              <a:t>НИУ "МЭИ", Каф. УиИ, 2017</a:t>
-            </a:r>
-            <a:endParaRPr lang="ru-RU"/>
+              <a:rPr lang="ru-RU" dirty="0" smtClean="0"/>
+              <a:t>НИУ "МЭИ", Каф. </a:t>
+            </a:r>
+            <a:r>
+              <a:rPr lang="ru-RU" dirty="0" err="1" smtClean="0"/>
+              <a:t>УиИ</a:t>
+            </a:r>
+            <a:r>
+              <a:rPr lang="ru-RU" dirty="0" smtClean="0"/>
+              <a:t>, </a:t>
+            </a:r>
+            <a:r>
+              <a:rPr lang="ru-RU" dirty="0" smtClean="0"/>
+              <a:t>2018</a:t>
+            </a:r>
+            <a:endParaRPr lang="ru-RU" dirty="0"/>
           </a:p>
         </p:txBody>
       </p:sp>
@@ -3637,7 +3781,15 @@
             </a:pPr>
             <a:r>
               <a:rPr lang="ru-RU" dirty="0" smtClean="0"/>
-              <a:t>Осень 2017 г.</a:t>
+              <a:t>Осень </a:t>
+            </a:r>
+            <a:r>
+              <a:rPr lang="ru-RU" dirty="0" smtClean="0"/>
+              <a:t>2018 </a:t>
+            </a:r>
+            <a:r>
+              <a:rPr lang="ru-RU" dirty="0" smtClean="0"/>
+              <a:t>г.</a:t>
             </a:r>
             <a:endParaRPr lang="ru-RU" dirty="0"/>
           </a:p>
@@ -3659,10 +3811,22 @@
           <a:lstStyle/>
           <a:p>
             <a:r>
-              <a:rPr lang="ru-RU" smtClean="0"/>
-              <a:t>НИУ "МЭИ", Каф. УиИ, 2017</a:t>
-            </a:r>
-            <a:endParaRPr lang="ru-RU"/>
+              <a:rPr lang="ru-RU" dirty="0" smtClean="0"/>
+              <a:t>НИУ "МЭИ", Каф. </a:t>
+            </a:r>
+            <a:r>
+              <a:rPr lang="ru-RU" dirty="0" err="1" smtClean="0"/>
+              <a:t>УиИ</a:t>
+            </a:r>
+            <a:r>
+              <a:rPr lang="ru-RU" dirty="0" smtClean="0"/>
+              <a:t>, </a:t>
+            </a:r>
+            <a:r>
+              <a:rPr lang="ru-RU" dirty="0" smtClean="0"/>
+              <a:t>2018</a:t>
+            </a:r>
+            <a:endParaRPr lang="ru-RU" dirty="0"/>
           </a:p>
         </p:txBody>
       </p:sp>
@@ -3795,7 +3959,11 @@
             </a:r>
             <a:r>
               <a:rPr lang="ru-RU" dirty="0" smtClean="0"/>
-              <a:t>, 2017</a:t>
+              <a:t>, </a:t>
+            </a:r>
+            <a:r>
+              <a:rPr lang="ru-RU" dirty="0" smtClean="0"/>
+              <a:t>2018</a:t>
             </a:r>
             <a:endParaRPr lang="ru-RU" dirty="0"/>
           </a:p>
@@ -4335,7 +4503,11 @@
             </a:r>
             <a:r>
               <a:rPr lang="ru-RU" dirty="0" smtClean="0"/>
-              <a:t>, 2017</a:t>
+              <a:t>, </a:t>
+            </a:r>
+            <a:r>
+              <a:rPr lang="ru-RU" dirty="0" smtClean="0"/>
+              <a:t>2018</a:t>
             </a:r>
             <a:endParaRPr lang="ru-RU" dirty="0"/>
           </a:p>
@@ -4936,7 +5108,11 @@
             </a:r>
             <a:r>
               <a:rPr lang="ru-RU" dirty="0" smtClean="0"/>
-              <a:t>, 2017</a:t>
+              <a:t>, </a:t>
+            </a:r>
+            <a:r>
+              <a:rPr lang="ru-RU" dirty="0" smtClean="0"/>
+              <a:t>2018</a:t>
             </a:r>
             <a:endParaRPr lang="ru-RU" dirty="0"/>
           </a:p>
@@ -5514,7 +5690,15 @@
             </a:r>
             <a:r>
               <a:rPr lang="ru-RU" dirty="0"/>
-              <a:t> (грубо говоря, это ежегодная олимпиада по машинному зрению), снизив рекорд ошибок классификации с 26% до 15%, что тогда стало прорывом. На август 2017 года в </a:t>
+              <a:t> (грубо говоря, это ежегодная олимпиада по машинному зрению), снизив рекорд ошибок классификации с 26% до 15%, что тогда стало прорывом. На август </a:t>
+            </a:r>
+            <a:r>
+              <a:rPr lang="ru-RU" dirty="0" smtClean="0"/>
+              <a:t>2018 </a:t>
+            </a:r>
+            <a:r>
+              <a:rPr lang="ru-RU" dirty="0"/>
+              <a:t>года в </a:t>
             </a:r>
             <a:r>
               <a:rPr lang="ru-RU" dirty="0" err="1"/>
@@ -5666,7 +5850,11 @@
             </a:r>
             <a:r>
               <a:rPr lang="ru-RU" dirty="0" smtClean="0"/>
-              <a:t>, 2017</a:t>
+              <a:t>, </a:t>
+            </a:r>
+            <a:r>
+              <a:rPr lang="ru-RU" dirty="0" smtClean="0"/>
+              <a:t>2018</a:t>
             </a:r>
             <a:endParaRPr lang="ru-RU" dirty="0"/>
           </a:p>
@@ -6216,7 +6404,11 @@
             </a:r>
             <a:r>
               <a:rPr lang="ru-RU" dirty="0" smtClean="0"/>
-              <a:t>, 2017</a:t>
+              <a:t>, </a:t>
+            </a:r>
+            <a:r>
+              <a:rPr lang="ru-RU" dirty="0" smtClean="0"/>
+              <a:t>2018</a:t>
             </a:r>
             <a:endParaRPr lang="ru-RU" dirty="0"/>
           </a:p>
@@ -6793,7 +6985,11 @@
             </a:r>
             <a:r>
               <a:rPr lang="ru-RU" dirty="0" smtClean="0"/>
-              <a:t>, 2017</a:t>
+              <a:t>, </a:t>
+            </a:r>
+            <a:r>
+              <a:rPr lang="ru-RU" dirty="0" smtClean="0"/>
+              <a:t>2018</a:t>
             </a:r>
             <a:endParaRPr lang="ru-RU" dirty="0"/>
           </a:p>
@@ -7123,7 +7319,15 @@
             </a:r>
             <a:r>
               <a:rPr lang="ru-RU" dirty="0" smtClean="0"/>
-              <a:t>ядро, «окно») </a:t>
+              <a:t>ядро</a:t>
+            </a:r>
+            <a:r>
+              <a:rPr lang="ru-RU" dirty="0" smtClean="0"/>
+              <a:t>, фильтр, </a:t>
+            </a:r>
+            <a:r>
+              <a:rPr lang="ru-RU" dirty="0" smtClean="0"/>
+              <a:t>«окно») </a:t>
             </a:r>
             <a:r>
               <a:rPr lang="ru-RU" dirty="0"/>
@@ -8205,7 +8409,11 @@
             </a:r>
             <a:r>
               <a:rPr lang="ru-RU" dirty="0" smtClean="0"/>
-              <a:t>, 2017</a:t>
+              <a:t>, </a:t>
+            </a:r>
+            <a:r>
+              <a:rPr lang="ru-RU" dirty="0" smtClean="0"/>
+              <a:t>2018</a:t>
             </a:r>
             <a:endParaRPr lang="ru-RU" dirty="0"/>
           </a:p>
@@ -8889,7 +9097,11 @@
             </a:r>
             <a:r>
               <a:rPr lang="ru-RU" dirty="0" smtClean="0"/>
-              <a:t>, 2017</a:t>
+              <a:t>, </a:t>
+            </a:r>
+            <a:r>
+              <a:rPr lang="ru-RU" dirty="0" smtClean="0"/>
+              <a:t>2018</a:t>
             </a:r>
             <a:endParaRPr lang="ru-RU" dirty="0"/>
           </a:p>
@@ -9406,7 +9618,11 @@
             </a:r>
             <a:r>
               <a:rPr lang="ru-RU" dirty="0" smtClean="0"/>
-              <a:t>, 2017</a:t>
+              <a:t>, </a:t>
+            </a:r>
+            <a:r>
+              <a:rPr lang="ru-RU" dirty="0" smtClean="0"/>
+              <a:t>2018</a:t>
             </a:r>
             <a:endParaRPr lang="ru-RU" dirty="0"/>
           </a:p>
@@ -10024,14 +10240,6 @@
               </a:rPr>
               <a:t>сети</a:t>
             </a:r>
-            <a:endParaRPr lang="ru-RU" sz="3600" i="1" dirty="0">
-              <a:solidFill>
-                <a:schemeClr val="tx2">
-                  <a:lumMod val="60000"/>
-                  <a:lumOff val="40000"/>
-                </a:schemeClr>
-              </a:solidFill>
-            </a:endParaRPr>
           </a:p>
         </p:txBody>
       </p:sp>
@@ -10060,7 +10268,11 @@
             </a:r>
             <a:r>
               <a:rPr lang="ru-RU" dirty="0" smtClean="0"/>
-              <a:t>, 2017</a:t>
+              <a:t>, </a:t>
+            </a:r>
+            <a:r>
+              <a:rPr lang="ru-RU" dirty="0" smtClean="0"/>
+              <a:t>2018</a:t>
             </a:r>
             <a:endParaRPr lang="ru-RU" dirty="0"/>
           </a:p>
@@ -10461,15 +10673,7 @@
             </a:r>
             <a:r>
               <a:rPr lang="ru-RU" dirty="0" smtClean="0"/>
-              <a:t>, </a:t>
-            </a:r>
-            <a:r>
-              <a:rPr lang="ru-RU" dirty="0" smtClean="0"/>
-              <a:t>то объем будет равен </a:t>
-            </a:r>
-            <a:r>
-              <a:rPr lang="ru-RU" dirty="0" smtClean="0"/>
-              <a:t>128х128х</a:t>
+              <a:t>, то объем будет равен 128х128х</a:t>
             </a:r>
             <a:r>
               <a:rPr lang="en-US" dirty="0" smtClean="0"/>
@@ -10477,11 +10681,7 @@
             </a:r>
             <a:r>
               <a:rPr lang="ru-RU" dirty="0" smtClean="0"/>
-              <a:t> </a:t>
-            </a:r>
-            <a:r>
-              <a:rPr lang="ru-RU" dirty="0" smtClean="0"/>
-              <a:t>)</a:t>
+              <a:t> )</a:t>
             </a:r>
           </a:p>
           <a:p>
@@ -10535,11 +10735,7 @@
             </a:r>
             <a:r>
               <a:rPr lang="ru-RU" dirty="0" smtClean="0"/>
-              <a:t>). Размер уменьшается до, например, </a:t>
-            </a:r>
-            <a:r>
-              <a:rPr lang="ru-RU" dirty="0" smtClean="0"/>
-              <a:t>64х64х</a:t>
+              <a:t>). Размер уменьшается до, например, 64х64х</a:t>
             </a:r>
             <a:r>
               <a:rPr lang="en-US" dirty="0" smtClean="0"/>
@@ -10549,7 +10745,6 @@
               <a:rPr lang="ru-RU" dirty="0" smtClean="0"/>
               <a:t>.</a:t>
             </a:r>
-            <a:endParaRPr lang="ru-RU" dirty="0" smtClean="0"/>
           </a:p>
           <a:p>
             <a:pPr marL="285750" indent="-285750">
